--- a/slides.pptx
+++ b/slides.pptx
@@ -34,24 +34,23 @@
     <p:sldId id="279" r:id="rId29"/>
     <p:sldId id="280" r:id="rId30"/>
     <p:sldId id="281" r:id="rId31"/>
-    <p:sldId id="282" r:id="rId32"/>
   </p:sldIdLst>
   <p:sldSz cy="5143500" cx="9144000"/>
   <p:notesSz cx="6858000" cy="9144000"/>
   <p:embeddedFontLst>
     <p:embeddedFont>
       <p:font typeface="Proxima Nova"/>
-      <p:regular r:id="rId33"/>
-      <p:bold r:id="rId34"/>
-      <p:italic r:id="rId35"/>
-      <p:boldItalic r:id="rId36"/>
+      <p:regular r:id="rId32"/>
+      <p:bold r:id="rId33"/>
+      <p:italic r:id="rId34"/>
+      <p:boldItalic r:id="rId35"/>
     </p:embeddedFont>
     <p:embeddedFont>
       <p:font typeface="Roboto"/>
-      <p:regular r:id="rId37"/>
-      <p:bold r:id="rId38"/>
-      <p:italic r:id="rId39"/>
-      <p:boldItalic r:id="rId40"/>
+      <p:regular r:id="rId36"/>
+      <p:bold r:id="rId37"/>
+      <p:italic r:id="rId38"/>
+      <p:boldItalic r:id="rId39"/>
     </p:embeddedFont>
   </p:embeddedFontLst>
   <p:defaultTextStyle>
@@ -2034,7 +2033,7 @@
       </p:grpSpPr>
       <p:sp>
         <p:nvSpPr>
-          <p:cNvPr id="186" name="Google Shape;186;g2d190adf4e7_0_15:notes"/>
+          <p:cNvPr id="186" name="Google Shape;186;g2d190adf4e7_0_20:notes"/>
           <p:cNvSpPr/>
           <p:nvPr>
             <p:ph idx="2" type="sldImg"/>
@@ -2069,7 +2068,7 @@
       </p:sp>
       <p:sp>
         <p:nvSpPr>
-          <p:cNvPr id="187" name="Google Shape;187;g2d190adf4e7_0_15:notes"/>
+          <p:cNvPr id="187" name="Google Shape;187;g2d190adf4e7_0_20:notes"/>
           <p:cNvSpPr txBox="1"/>
           <p:nvPr>
             <p:ph idx="1" type="body"/>
@@ -2119,7 +2118,7 @@
   <p:cSld>
     <p:spTree>
       <p:nvGrpSpPr>
-        <p:cNvPr id="191" name="Shape 191"/>
+        <p:cNvPr id="192" name="Shape 192"/>
         <p:cNvGrpSpPr/>
         <p:nvPr/>
       </p:nvGrpSpPr>
@@ -2133,7 +2132,7 @@
       </p:grpSpPr>
       <p:sp>
         <p:nvSpPr>
-          <p:cNvPr id="192" name="Google Shape;192;g2d190adf4e7_0_20:notes"/>
+          <p:cNvPr id="193" name="Google Shape;193;g2d1984c54e9_0_90:notes"/>
           <p:cNvSpPr/>
           <p:nvPr>
             <p:ph idx="2" type="sldImg"/>
@@ -2168,7 +2167,7 @@
       </p:sp>
       <p:sp>
         <p:nvSpPr>
-          <p:cNvPr id="193" name="Google Shape;193;g2d190adf4e7_0_20:notes"/>
+          <p:cNvPr id="194" name="Google Shape;194;g2d1984c54e9_0_90:notes"/>
           <p:cNvSpPr txBox="1"/>
           <p:nvPr>
             <p:ph idx="1" type="body"/>
@@ -2218,7 +2217,7 @@
   <p:cSld>
     <p:spTree>
       <p:nvGrpSpPr>
-        <p:cNvPr id="198" name="Shape 198"/>
+        <p:cNvPr id="199" name="Shape 199"/>
         <p:cNvGrpSpPr/>
         <p:nvPr/>
       </p:nvGrpSpPr>
@@ -2232,7 +2231,7 @@
       </p:grpSpPr>
       <p:sp>
         <p:nvSpPr>
-          <p:cNvPr id="199" name="Google Shape;199;g2d1984c54e9_0_90:notes"/>
+          <p:cNvPr id="200" name="Google Shape;200;g2d1984c54e9_0_97:notes"/>
           <p:cNvSpPr/>
           <p:nvPr>
             <p:ph idx="2" type="sldImg"/>
@@ -2267,7 +2266,7 @@
       </p:sp>
       <p:sp>
         <p:nvSpPr>
-          <p:cNvPr id="200" name="Google Shape;200;g2d1984c54e9_0_90:notes"/>
+          <p:cNvPr id="201" name="Google Shape;201;g2d1984c54e9_0_97:notes"/>
           <p:cNvSpPr txBox="1"/>
           <p:nvPr>
             <p:ph idx="1" type="body"/>
@@ -2317,7 +2316,7 @@
   <p:cSld>
     <p:spTree>
       <p:nvGrpSpPr>
-        <p:cNvPr id="205" name="Shape 205"/>
+        <p:cNvPr id="207" name="Shape 207"/>
         <p:cNvGrpSpPr/>
         <p:nvPr/>
       </p:nvGrpSpPr>
@@ -2331,7 +2330,7 @@
       </p:grpSpPr>
       <p:sp>
         <p:nvSpPr>
-          <p:cNvPr id="206" name="Google Shape;206;g2d1984c54e9_0_97:notes"/>
+          <p:cNvPr id="208" name="Google Shape;208;g2d190adf4e7_0_25:notes"/>
           <p:cNvSpPr/>
           <p:nvPr>
             <p:ph idx="2" type="sldImg"/>
@@ -2366,7 +2365,7 @@
       </p:sp>
       <p:sp>
         <p:nvSpPr>
-          <p:cNvPr id="207" name="Google Shape;207;g2d1984c54e9_0_97:notes"/>
+          <p:cNvPr id="209" name="Google Shape;209;g2d190adf4e7_0_25:notes"/>
           <p:cNvSpPr txBox="1"/>
           <p:nvPr>
             <p:ph idx="1" type="body"/>
@@ -2430,7 +2429,7 @@
       </p:grpSpPr>
       <p:sp>
         <p:nvSpPr>
-          <p:cNvPr id="214" name="Google Shape;214;g2d190adf4e7_0_25:notes"/>
+          <p:cNvPr id="214" name="Google Shape;214;g2d1984c54e9_0_104:notes"/>
           <p:cNvSpPr/>
           <p:nvPr>
             <p:ph idx="2" type="sldImg"/>
@@ -2465,7 +2464,7 @@
       </p:sp>
       <p:sp>
         <p:nvSpPr>
-          <p:cNvPr id="215" name="Google Shape;215;g2d190adf4e7_0_25:notes"/>
+          <p:cNvPr id="215" name="Google Shape;215;g2d1984c54e9_0_104:notes"/>
           <p:cNvSpPr txBox="1"/>
           <p:nvPr>
             <p:ph idx="1" type="body"/>
@@ -2515,7 +2514,7 @@
   <p:cSld>
     <p:spTree>
       <p:nvGrpSpPr>
-        <p:cNvPr id="219" name="Shape 219"/>
+        <p:cNvPr id="221" name="Shape 221"/>
         <p:cNvGrpSpPr/>
         <p:nvPr/>
       </p:nvGrpSpPr>
@@ -2529,7 +2528,7 @@
       </p:grpSpPr>
       <p:sp>
         <p:nvSpPr>
-          <p:cNvPr id="220" name="Google Shape;220;g2d1984c54e9_0_104:notes"/>
+          <p:cNvPr id="222" name="Google Shape;222;g2d1984c54e9_0_111:notes"/>
           <p:cNvSpPr/>
           <p:nvPr>
             <p:ph idx="2" type="sldImg"/>
@@ -2564,106 +2563,7 @@
       </p:sp>
       <p:sp>
         <p:nvSpPr>
-          <p:cNvPr id="221" name="Google Shape;221;g2d1984c54e9_0_104:notes"/>
-          <p:cNvSpPr txBox="1"/>
-          <p:nvPr>
-            <p:ph idx="1" type="body"/>
-          </p:nvPr>
-        </p:nvSpPr>
-        <p:spPr>
-          <a:xfrm>
-            <a:off x="685800" y="4343400"/>
-            <a:ext cx="5486400" cy="4114800"/>
-          </a:xfrm>
-          <a:prstGeom prst="rect">
-            <a:avLst/>
-          </a:prstGeom>
-        </p:spPr>
-        <p:txBody>
-          <a:bodyPr anchorCtr="0" anchor="t" bIns="91425" lIns="91425" spcFirstLastPara="1" rIns="91425" wrap="square" tIns="91425">
-            <a:noAutofit/>
-          </a:bodyPr>
-          <a:lstStyle/>
-          <a:p>
-            <a:pPr indent="0" lvl="0" marL="0" rtl="0" algn="l">
-              <a:spcBef>
-                <a:spcPts val="0"/>
-              </a:spcBef>
-              <a:spcAft>
-                <a:spcPts val="0"/>
-              </a:spcAft>
-              <a:buNone/>
-            </a:pPr>
-            <a:r>
-              <a:t/>
-            </a:r>
-            <a:endParaRPr/>
-          </a:p>
-        </p:txBody>
-      </p:sp>
-    </p:spTree>
-  </p:cSld>
-  <p:clrMapOvr>
-    <a:masterClrMapping/>
-  </p:clrMapOvr>
-</p:notes>
-</file>
-
-<file path=ppt/notesSlides/notesSlide27.xml><?xml version="1.0" encoding="utf-8"?>
-<p:notes xmlns:a="http://schemas.openxmlformats.org/drawingml/2006/main" xmlns:r="http://schemas.openxmlformats.org/officeDocument/2006/relationships" xmlns:mc="http://schemas.openxmlformats.org/markup-compatibility/2006" xmlns:mv="urn:schemas-microsoft-com:mac:vml" xmlns:p="http://schemas.openxmlformats.org/presentationml/2006/main" xmlns:c="http://schemas.openxmlformats.org/drawingml/2006/chart" xmlns:dgm="http://schemas.openxmlformats.org/drawingml/2006/diagram" xmlns:o="urn:schemas-microsoft-com:office:office" xmlns:v="urn:schemas-microsoft-com:vml" xmlns:pvml="urn:schemas-microsoft-com:office:powerpoint" xmlns:com="http://schemas.openxmlformats.org/drawingml/2006/compatibility" xmlns:p14="http://schemas.microsoft.com/office/powerpoint/2010/main" xmlns:p15="http://schemas.microsoft.com/office/powerpoint/2012/main" xmlns:ahyp="http://schemas.microsoft.com/office/drawing/2018/hyperlinkcolor" showMasterPhAnim="0" showMasterSp="0">
-  <p:cSld>
-    <p:spTree>
-      <p:nvGrpSpPr>
-        <p:cNvPr id="227" name="Shape 227"/>
-        <p:cNvGrpSpPr/>
-        <p:nvPr/>
-      </p:nvGrpSpPr>
-      <p:grpSpPr>
-        <a:xfrm>
-          <a:off x="0" y="0"/>
-          <a:ext cx="0" cy="0"/>
-          <a:chOff x="0" y="0"/>
-          <a:chExt cx="0" cy="0"/>
-        </a:xfrm>
-      </p:grpSpPr>
-      <p:sp>
-        <p:nvSpPr>
-          <p:cNvPr id="228" name="Google Shape;228;g2d1984c54e9_0_111:notes"/>
-          <p:cNvSpPr/>
-          <p:nvPr>
-            <p:ph idx="2" type="sldImg"/>
-          </p:nvPr>
-        </p:nvSpPr>
-        <p:spPr>
-          <a:xfrm>
-            <a:off x="381300" y="685800"/>
-            <a:ext cx="6096000" cy="3429000"/>
-          </a:xfrm>
-          <a:custGeom>
-            <a:rect b="b" l="l" r="r" t="t"/>
-            <a:pathLst>
-              <a:path extrusionOk="0" h="120000" w="120000">
-                <a:moveTo>
-                  <a:pt x="0" y="0"/>
-                </a:moveTo>
-                <a:lnTo>
-                  <a:pt x="120000" y="0"/>
-                </a:lnTo>
-                <a:lnTo>
-                  <a:pt x="120000" y="120000"/>
-                </a:lnTo>
-                <a:lnTo>
-                  <a:pt x="0" y="120000"/>
-                </a:lnTo>
-                <a:close/>
-              </a:path>
-            </a:pathLst>
-          </a:custGeom>
-        </p:spPr>
-      </p:sp>
-      <p:sp>
-        <p:nvSpPr>
-          <p:cNvPr id="229" name="Google Shape;229;g2d1984c54e9_0_111:notes"/>
+          <p:cNvPr id="223" name="Google Shape;223;g2d1984c54e9_0_111:notes"/>
           <p:cNvSpPr txBox="1"/>
           <p:nvPr>
             <p:ph idx="1" type="body"/>
@@ -10900,7 +10800,7 @@
             </a:pPr>
             <a:r>
               <a:rPr lang="en-GB"/>
-              <a:t>Uses a lot of memory. A relatively small dataset of 15000 points used around 1GB of memory.</a:t>
+              <a:t>Uses a lot of memory. A relatively small dataset of 15000 points used around 1.5GB of memory.</a:t>
             </a:r>
             <a:endParaRPr/>
           </a:p>
@@ -11728,7 +11628,7 @@
             </a:pPr>
             <a:r>
               <a:rPr lang="en-GB"/>
-              <a:t>Technical Overview - Database</a:t>
+              <a:t>Technical Overview - Grafana</a:t>
             </a:r>
             <a:endParaRPr/>
           </a:p>
@@ -11745,7 +11645,7 @@
         <p:spPr>
           <a:xfrm>
             <a:off x="311700" y="1152475"/>
-            <a:ext cx="8520600" cy="3416400"/>
+            <a:ext cx="4292400" cy="3416400"/>
           </a:xfrm>
           <a:prstGeom prst="rect">
             <a:avLst/>
@@ -11757,87 +11657,94 @@
           </a:bodyPr>
           <a:lstStyle/>
           <a:p>
-            <a:pPr indent="0" lvl="0" marL="0" rtl="0" algn="l">
-              <a:spcBef>
-                <a:spcPts val="0"/>
-              </a:spcBef>
-              <a:spcAft>
-                <a:spcPts val="0"/>
-              </a:spcAft>
-              <a:buNone/>
+            <a:pPr indent="-342900" lvl="0" marL="457200" rtl="0" algn="l">
+              <a:spcBef>
+                <a:spcPts val="0"/>
+              </a:spcBef>
+              <a:spcAft>
+                <a:spcPts val="0"/>
+              </a:spcAft>
+              <a:buSzPts val="1800"/>
+              <a:buChar char="-"/>
             </a:pPr>
             <a:r>
               <a:rPr lang="en-GB"/>
-              <a:t>LONGEST PART!!! Screenshots of Influx webview.</a:t>
-            </a:r>
-            <a:endParaRPr/>
-          </a:p>
-          <a:p>
-            <a:pPr indent="0" lvl="0" marL="0" rtl="0" algn="l">
-              <a:spcBef>
-                <a:spcPts val="1200"/>
-              </a:spcBef>
-              <a:spcAft>
-                <a:spcPts val="0"/>
-              </a:spcAft>
-              <a:buNone/>
+              <a:t>Grafana is used as the primary visualisation tool in MEMP.</a:t>
+            </a:r>
+            <a:endParaRPr/>
+          </a:p>
+          <a:p>
+            <a:pPr indent="-342900" lvl="0" marL="457200" rtl="0" algn="l">
+              <a:spcBef>
+                <a:spcPts val="0"/>
+              </a:spcBef>
+              <a:spcAft>
+                <a:spcPts val="0"/>
+              </a:spcAft>
+              <a:buSzPts val="1800"/>
+              <a:buChar char="-"/>
             </a:pPr>
             <a:r>
               <a:rPr lang="en-GB"/>
-              <a:t>Talk at length about InfluxDB resource consumption issues. OOM image.</a:t>
-            </a:r>
-            <a:endParaRPr/>
-          </a:p>
-          <a:p>
-            <a:pPr indent="0" lvl="0" marL="0" rtl="0" algn="l">
-              <a:spcBef>
-                <a:spcPts val="1200"/>
-              </a:spcBef>
-              <a:spcAft>
-                <a:spcPts val="0"/>
-              </a:spcAft>
-              <a:buNone/>
-            </a:pPr>
+              <a:t>Grafana is a web server that provides tools to </a:t>
+            </a:r>
             <a:r>
               <a:rPr lang="en-GB"/>
-              <a:t>“So I used SQLite instead…”</a:t>
-            </a:r>
-            <a:endParaRPr/>
-          </a:p>
-          <a:p>
-            <a:pPr indent="0" lvl="0" marL="0" rtl="0" algn="l">
-              <a:spcBef>
-                <a:spcPts val="1200"/>
-              </a:spcBef>
-              <a:spcAft>
-                <a:spcPts val="0"/>
-              </a:spcAft>
-              <a:buNone/>
-            </a:pPr>
+              <a:t>create</a:t>
+            </a:r>
             <a:r>
               <a:rPr lang="en-GB"/>
-              <a:t>Explain downsides of using SQLite instead of time series; query speed &amp; downsampling</a:t>
-            </a:r>
-            <a:endParaRPr/>
-          </a:p>
-          <a:p>
-            <a:pPr indent="0" lvl="0" marL="0" rtl="0" algn="l">
-              <a:spcBef>
-                <a:spcPts val="1200"/>
-              </a:spcBef>
-              <a:spcAft>
-                <a:spcPts val="1200"/>
-              </a:spcAft>
-              <a:buNone/>
+              <a:t> dashboards connected to data from different databases.</a:t>
+            </a:r>
+            <a:endParaRPr/>
+          </a:p>
+          <a:p>
+            <a:pPr indent="-342900" lvl="0" marL="457200" rtl="0" algn="l">
+              <a:spcBef>
+                <a:spcPts val="0"/>
+              </a:spcBef>
+              <a:spcAft>
+                <a:spcPts val="0"/>
+              </a:spcAft>
+              <a:buSzPts val="1800"/>
+              <a:buChar char="-"/>
             </a:pPr>
             <a:r>
               <a:rPr lang="en-GB"/>
-              <a:t>Explain drivers</a:t>
+              <a:t>Has data source plugins for InfluxDB and SQLite.</a:t>
             </a:r>
             <a:endParaRPr/>
           </a:p>
         </p:txBody>
       </p:sp>
+      <p:pic>
+        <p:nvPicPr>
+          <p:cNvPr id="191" name="Google Shape;191;p33"/>
+          <p:cNvPicPr preferRelativeResize="0"/>
+          <p:nvPr/>
+        </p:nvPicPr>
+        <p:blipFill>
+          <a:blip r:embed="rId3">
+            <a:alphaModFix/>
+          </a:blip>
+          <a:stretch>
+            <a:fillRect/>
+          </a:stretch>
+        </p:blipFill>
+        <p:spPr>
+          <a:xfrm>
+            <a:off x="5053225" y="637775"/>
+            <a:ext cx="3379974" cy="3379974"/>
+          </a:xfrm>
+          <a:prstGeom prst="rect">
+            <a:avLst/>
+          </a:prstGeom>
+          <a:noFill/>
+          <a:ln>
+            <a:noFill/>
+          </a:ln>
+        </p:spPr>
+      </p:pic>
     </p:spTree>
   </p:cSld>
   <p:clrMapOvr>
@@ -11851,7 +11758,7 @@
   <p:cSld>
     <p:spTree>
       <p:nvGrpSpPr>
-        <p:cNvPr id="194" name="Shape 194"/>
+        <p:cNvPr id="195" name="Shape 195"/>
         <p:cNvGrpSpPr/>
         <p:nvPr/>
       </p:nvGrpSpPr>
@@ -11865,7 +11772,7 @@
       </p:grpSpPr>
       <p:sp>
         <p:nvSpPr>
-          <p:cNvPr id="195" name="Google Shape;195;p34"/>
+          <p:cNvPr id="196" name="Google Shape;196;p34"/>
           <p:cNvSpPr txBox="1"/>
           <p:nvPr>
             <p:ph type="title"/>
@@ -11897,7 +11804,7 @@
             </a:pPr>
             <a:r>
               <a:rPr lang="en-GB"/>
-              <a:t>Technical Overview - Grafana</a:t>
+              <a:t>Grafana - Continued</a:t>
             </a:r>
             <a:endParaRPr/>
           </a:p>
@@ -11905,7 +11812,7 @@
       </p:sp>
       <p:sp>
         <p:nvSpPr>
-          <p:cNvPr id="196" name="Google Shape;196;p34"/>
+          <p:cNvPr id="197" name="Google Shape;197;p34"/>
           <p:cNvSpPr txBox="1"/>
           <p:nvPr>
             <p:ph idx="1" type="body"/>
@@ -11913,8 +11820,8 @@
         </p:nvSpPr>
         <p:spPr>
           <a:xfrm>
-            <a:off x="311700" y="1152475"/>
-            <a:ext cx="4292400" cy="3416400"/>
+            <a:off x="170150" y="3781800"/>
+            <a:ext cx="8520600" cy="1051500"/>
           </a:xfrm>
           <a:prstGeom prst="rect">
             <a:avLst/>
@@ -11922,65 +11829,34 @@
         </p:spPr>
         <p:txBody>
           <a:bodyPr anchorCtr="0" anchor="t" bIns="91425" lIns="91425" spcFirstLastPara="1" rIns="91425" wrap="square" tIns="91425">
-            <a:normAutofit/>
+            <a:normAutofit lnSpcReduction="10000"/>
           </a:bodyPr>
           <a:lstStyle/>
           <a:p>
-            <a:pPr indent="-342900" lvl="0" marL="457200" rtl="0" algn="l">
-              <a:spcBef>
-                <a:spcPts val="0"/>
-              </a:spcBef>
-              <a:spcAft>
-                <a:spcPts val="0"/>
-              </a:spcAft>
-              <a:buSzPts val="1800"/>
-              <a:buChar char="-"/>
+            <a:pPr indent="0" lvl="0" marL="0" rtl="0" algn="l">
+              <a:spcBef>
+                <a:spcPts val="0"/>
+              </a:spcBef>
+              <a:spcAft>
+                <a:spcPts val="1200"/>
+              </a:spcAft>
+              <a:buNone/>
             </a:pPr>
             <a:r>
               <a:rPr lang="en-GB"/>
-              <a:t>Grafana is used as the primary visualisation tool in MEMP.</a:t>
-            </a:r>
-            <a:endParaRPr/>
-          </a:p>
-          <a:p>
-            <a:pPr indent="-342900" lvl="0" marL="457200" rtl="0" algn="l">
-              <a:spcBef>
-                <a:spcPts val="0"/>
-              </a:spcBef>
-              <a:spcAft>
-                <a:spcPts val="0"/>
-              </a:spcAft>
-              <a:buSzPts val="1800"/>
-              <a:buChar char="-"/>
-            </a:pPr>
+              <a:t>Public </a:t>
+            </a:r>
             <a:r>
               <a:rPr lang="en-GB"/>
-              <a:t>Grafana is a web server that provides tools to </a:t>
+              <a:t>dashboard</a:t>
             </a:r>
             <a:r>
               <a:rPr lang="en-GB"/>
-              <a:t>create</a:t>
+              <a:t> is available at </a:t>
             </a:r>
             <a:r>
               <a:rPr lang="en-GB"/>
-              <a:t> dashboards connected to data from different databases.</a:t>
-            </a:r>
-            <a:endParaRPr/>
-          </a:p>
-          <a:p>
-            <a:pPr indent="-342900" lvl="0" marL="457200" rtl="0" algn="l">
-              <a:spcBef>
-                <a:spcPts val="0"/>
-              </a:spcBef>
-              <a:spcAft>
-                <a:spcPts val="0"/>
-              </a:spcAft>
-              <a:buSzPts val="1800"/>
-              <a:buChar char="-"/>
-            </a:pPr>
-            <a:r>
-              <a:rPr lang="en-GB"/>
-              <a:t>Has data source plugins for InfluxDB and SQLite.</a:t>
+              <a:t>https://memp-data.duckdns.org/public-dashboards/aa798faefe7a43f7b86252a8d3c1711a?orgId=1</a:t>
             </a:r>
             <a:endParaRPr/>
           </a:p>
@@ -11988,7 +11864,7 @@
       </p:sp>
       <p:pic>
         <p:nvPicPr>
-          <p:cNvPr id="197" name="Google Shape;197;p34"/>
+          <p:cNvPr id="198" name="Google Shape;198;p34"/>
           <p:cNvPicPr preferRelativeResize="0"/>
           <p:nvPr/>
         </p:nvPicPr>
@@ -12002,8 +11878,8 @@
         </p:blipFill>
         <p:spPr>
           <a:xfrm>
-            <a:off x="5053225" y="637775"/>
-            <a:ext cx="3379974" cy="3379974"/>
+            <a:off x="1741550" y="903400"/>
+            <a:ext cx="5296901" cy="2979501"/>
           </a:xfrm>
           <a:prstGeom prst="rect">
             <a:avLst/>
@@ -12027,7 +11903,7 @@
   <p:cSld>
     <p:spTree>
       <p:nvGrpSpPr>
-        <p:cNvPr id="201" name="Shape 201"/>
+        <p:cNvPr id="202" name="Shape 202"/>
         <p:cNvGrpSpPr/>
         <p:nvPr/>
       </p:nvGrpSpPr>
@@ -12041,7 +11917,7 @@
       </p:grpSpPr>
       <p:sp>
         <p:nvSpPr>
-          <p:cNvPr id="202" name="Google Shape;202;p35"/>
+          <p:cNvPr id="203" name="Google Shape;203;p35"/>
           <p:cNvSpPr txBox="1"/>
           <p:nvPr>
             <p:ph type="title"/>
@@ -12081,7 +11957,7 @@
       </p:sp>
       <p:sp>
         <p:nvSpPr>
-          <p:cNvPr id="203" name="Google Shape;203;p35"/>
+          <p:cNvPr id="204" name="Google Shape;204;p35"/>
           <p:cNvSpPr txBox="1"/>
           <p:nvPr>
             <p:ph idx="1" type="body"/>
@@ -12089,8 +11965,8 @@
         </p:nvSpPr>
         <p:spPr>
           <a:xfrm>
-            <a:off x="170150" y="3781800"/>
-            <a:ext cx="8520600" cy="1051500"/>
+            <a:off x="311700" y="1152475"/>
+            <a:ext cx="4260300" cy="3416400"/>
           </a:xfrm>
           <a:prstGeom prst="rect">
             <a:avLst/>
@@ -12098,34 +11974,91 @@
         </p:spPr>
         <p:txBody>
           <a:bodyPr anchorCtr="0" anchor="t" bIns="91425" lIns="91425" spcFirstLastPara="1" rIns="91425" wrap="square" tIns="91425">
-            <a:normAutofit lnSpcReduction="10000"/>
+            <a:normAutofit/>
           </a:bodyPr>
           <a:lstStyle/>
           <a:p>
+            <a:pPr indent="-342900" lvl="0" marL="457200" rtl="0" algn="l">
+              <a:spcBef>
+                <a:spcPts val="0"/>
+              </a:spcBef>
+              <a:spcAft>
+                <a:spcPts val="0"/>
+              </a:spcAft>
+              <a:buSzPts val="1800"/>
+              <a:buChar char="-"/>
+            </a:pPr>
+            <a:r>
+              <a:rPr lang="en-GB"/>
+              <a:t>Dashboards can be made public</a:t>
+            </a:r>
+            <a:endParaRPr/>
+          </a:p>
+          <a:p>
             <a:pPr indent="0" lvl="0" marL="0" rtl="0" algn="l">
               <a:spcBef>
-                <a:spcPts val="0"/>
-              </a:spcBef>
-              <a:spcAft>
                 <a:spcPts val="1200"/>
-              </a:spcAft>
-              <a:buNone/>
+              </a:spcBef>
+              <a:spcAft>
+                <a:spcPts val="0"/>
+              </a:spcAft>
+              <a:buNone/>
+            </a:pPr>
+            <a:r>
+              <a:t/>
+            </a:r>
+            <a:endParaRPr/>
+          </a:p>
+          <a:p>
+            <a:pPr indent="-342900" lvl="0" marL="457200" rtl="0" algn="l">
+              <a:spcBef>
+                <a:spcPts val="1200"/>
+              </a:spcBef>
+              <a:spcAft>
+                <a:spcPts val="0"/>
+              </a:spcAft>
+              <a:buSzPts val="1800"/>
+              <a:buChar char="-"/>
             </a:pPr>
             <a:r>
               <a:rPr lang="en-GB"/>
-              <a:t>Public </a:t>
+              <a:t>Setting ‘allow_embedding true’ in grafana.ini allows </a:t>
             </a:r>
             <a:r>
               <a:rPr lang="en-GB"/>
-              <a:t>dashboard</a:t>
-            </a:r>
+              <a:t>dashboards to be embedded via HTMLs iframe tag</a:t>
+            </a:r>
+            <a:endParaRPr/>
+          </a:p>
+          <a:p>
+            <a:pPr indent="0" lvl="0" marL="0" rtl="0" algn="l">
+              <a:spcBef>
+                <a:spcPts val="1200"/>
+              </a:spcBef>
+              <a:spcAft>
+                <a:spcPts val="0"/>
+              </a:spcAft>
+              <a:buNone/>
+            </a:pPr>
+            <a:r>
+              <a:t/>
+            </a:r>
+            <a:endParaRPr/>
+          </a:p>
+          <a:p>
+            <a:pPr indent="-342900" lvl="0" marL="457200" rtl="0" algn="l">
+              <a:spcBef>
+                <a:spcPts val="1200"/>
+              </a:spcBef>
+              <a:spcAft>
+                <a:spcPts val="0"/>
+              </a:spcAft>
+              <a:buSzPts val="1800"/>
+              <a:buChar char="-"/>
+            </a:pPr>
             <a:r>
               <a:rPr lang="en-GB"/>
-              <a:t> is available at </a:t>
-            </a:r>
-            <a:r>
-              <a:rPr lang="en-GB"/>
-              <a:t>https://memp-data.duckdns.org/public-dashboards/aa798faefe7a43f7b86252a8d3c1711a?orgId=1</a:t>
+              <a:t>TLS is enabled via the cert_file and cert_key options in grafana.ini</a:t>
             </a:r>
             <a:endParaRPr/>
           </a:p>
@@ -12133,7 +12066,7 @@
       </p:sp>
       <p:pic>
         <p:nvPicPr>
-          <p:cNvPr id="204" name="Google Shape;204;p35"/>
+          <p:cNvPr id="205" name="Google Shape;205;p35"/>
           <p:cNvPicPr preferRelativeResize="0"/>
           <p:nvPr/>
         </p:nvPicPr>
@@ -12147,8 +12080,8 @@
         </p:blipFill>
         <p:spPr>
           <a:xfrm>
-            <a:off x="1741550" y="903400"/>
-            <a:ext cx="5296901" cy="2979501"/>
+            <a:off x="5283900" y="381425"/>
+            <a:ext cx="2675094" cy="3820973"/>
           </a:xfrm>
           <a:prstGeom prst="rect">
             <a:avLst/>
@@ -12159,6 +12092,64 @@
           </a:ln>
         </p:spPr>
       </p:pic>
+      <p:sp>
+        <p:nvSpPr>
+          <p:cNvPr id="206" name="Google Shape;206;p35"/>
+          <p:cNvSpPr txBox="1"/>
+          <p:nvPr/>
+        </p:nvSpPr>
+        <p:spPr>
+          <a:xfrm>
+            <a:off x="5325500" y="4240175"/>
+            <a:ext cx="2633700" cy="431400"/>
+          </a:xfrm>
+          <a:prstGeom prst="rect">
+            <a:avLst/>
+          </a:prstGeom>
+          <a:noFill/>
+          <a:ln>
+            <a:noFill/>
+          </a:ln>
+        </p:spPr>
+        <p:txBody>
+          <a:bodyPr anchorCtr="0" anchor="t" bIns="91425" lIns="91425" spcFirstLastPara="1" rIns="91425" wrap="square" tIns="91425">
+            <a:noAutofit/>
+          </a:bodyPr>
+          <a:lstStyle/>
+          <a:p>
+            <a:pPr indent="0" lvl="0" marL="0" rtl="0" algn="ctr">
+              <a:spcBef>
+                <a:spcPts val="0"/>
+              </a:spcBef>
+              <a:spcAft>
+                <a:spcPts val="0"/>
+              </a:spcAft>
+              <a:buNone/>
+            </a:pPr>
+            <a:r>
+              <a:rPr lang="en-GB" sz="1800">
+                <a:solidFill>
+                  <a:schemeClr val="accent3"/>
+                </a:solidFill>
+                <a:latin typeface="Proxima Nova"/>
+                <a:ea typeface="Proxima Nova"/>
+                <a:cs typeface="Proxima Nova"/>
+                <a:sym typeface="Proxima Nova"/>
+              </a:rPr>
+              <a:t>Embedded dashboard</a:t>
+            </a:r>
+            <a:endParaRPr sz="1800">
+              <a:solidFill>
+                <a:schemeClr val="accent3"/>
+              </a:solidFill>
+              <a:latin typeface="Proxima Nova"/>
+              <a:ea typeface="Proxima Nova"/>
+              <a:cs typeface="Proxima Nova"/>
+              <a:sym typeface="Proxima Nova"/>
+            </a:endParaRPr>
+          </a:p>
+        </p:txBody>
+      </p:sp>
     </p:spTree>
   </p:cSld>
   <p:clrMapOvr>
@@ -12172,7 +12163,7 @@
   <p:cSld>
     <p:spTree>
       <p:nvGrpSpPr>
-        <p:cNvPr id="208" name="Shape 208"/>
+        <p:cNvPr id="210" name="Shape 210"/>
         <p:cNvGrpSpPr/>
         <p:nvPr/>
       </p:nvGrpSpPr>
@@ -12186,7 +12177,7 @@
       </p:grpSpPr>
       <p:sp>
         <p:nvSpPr>
-          <p:cNvPr id="209" name="Google Shape;209;p36"/>
+          <p:cNvPr id="211" name="Google Shape;211;p36"/>
           <p:cNvSpPr txBox="1"/>
           <p:nvPr>
             <p:ph type="title"/>
@@ -12218,7 +12209,7 @@
             </a:pPr>
             <a:r>
               <a:rPr lang="en-GB"/>
-              <a:t>Grafana - Continued</a:t>
+              <a:t>Technical Overview - Documentation</a:t>
             </a:r>
             <a:endParaRPr/>
           </a:p>
@@ -12226,7 +12217,7 @@
       </p:sp>
       <p:sp>
         <p:nvSpPr>
-          <p:cNvPr id="210" name="Google Shape;210;p36"/>
+          <p:cNvPr id="212" name="Google Shape;212;p36"/>
           <p:cNvSpPr txBox="1"/>
           <p:nvPr>
             <p:ph idx="1" type="body"/>
@@ -12235,7 +12226,7 @@
         <p:spPr>
           <a:xfrm>
             <a:off x="311700" y="1152475"/>
-            <a:ext cx="4260300" cy="3416400"/>
+            <a:ext cx="8520600" cy="3416400"/>
           </a:xfrm>
           <a:prstGeom prst="rect">
             <a:avLst/>
@@ -12248,6 +12239,9 @@
           <a:lstStyle/>
           <a:p>
             <a:pPr indent="-342900" lvl="0" marL="457200" rtl="0" algn="l">
+              <a:lnSpc>
+                <a:spcPct val="200000"/>
+              </a:lnSpc>
               <a:spcBef>
                 <a:spcPts val="0"/>
               </a:spcBef>
@@ -12259,29 +12253,17 @@
             </a:pPr>
             <a:r>
               <a:rPr lang="en-GB"/>
-              <a:t>Dashboards can be made public</a:t>
-            </a:r>
-            <a:endParaRPr/>
-          </a:p>
-          <a:p>
-            <a:pPr indent="0" lvl="0" marL="0" rtl="0" algn="l">
-              <a:spcBef>
-                <a:spcPts val="1200"/>
-              </a:spcBef>
-              <a:spcAft>
-                <a:spcPts val="0"/>
-              </a:spcAft>
-              <a:buNone/>
-            </a:pPr>
-            <a:r>
-              <a:t/>
+              <a:t>MEMPs documentation is hosted on GitHub Pages.</a:t>
             </a:r>
             <a:endParaRPr/>
           </a:p>
           <a:p>
             <a:pPr indent="-342900" lvl="0" marL="457200" rtl="0" algn="l">
-              <a:spcBef>
-                <a:spcPts val="1200"/>
+              <a:lnSpc>
+                <a:spcPct val="200000"/>
+              </a:lnSpc>
+              <a:spcBef>
+                <a:spcPts val="0"/>
               </a:spcBef>
               <a:spcAft>
                 <a:spcPts val="0"/>
@@ -12291,33 +12273,17 @@
             </a:pPr>
             <a:r>
               <a:rPr lang="en-GB"/>
-              <a:t>Setting ‘allow_embedding true’ in grafana.ini allows </a:t>
-            </a:r>
-            <a:r>
-              <a:rPr lang="en-GB"/>
-              <a:t>dashboards to be embedded via HTMLs iframe tag</a:t>
-            </a:r>
-            <a:endParaRPr/>
-          </a:p>
-          <a:p>
-            <a:pPr indent="0" lvl="0" marL="0" rtl="0" algn="l">
-              <a:spcBef>
-                <a:spcPts val="1200"/>
-              </a:spcBef>
-              <a:spcAft>
-                <a:spcPts val="0"/>
-              </a:spcAft>
-              <a:buNone/>
-            </a:pPr>
-            <a:r>
-              <a:t/>
+              <a:t>Makes it easy to deploy your on documentation if you fork the project.</a:t>
             </a:r>
             <a:endParaRPr/>
           </a:p>
           <a:p>
             <a:pPr indent="-342900" lvl="0" marL="457200" rtl="0" algn="l">
-              <a:spcBef>
-                <a:spcPts val="1200"/>
+              <a:lnSpc>
+                <a:spcPct val="200000"/>
+              </a:lnSpc>
+              <a:spcBef>
+                <a:spcPts val="0"/>
               </a:spcBef>
               <a:spcAft>
                 <a:spcPts val="0"/>
@@ -12327,95 +12293,49 @@
             </a:pPr>
             <a:r>
               <a:rPr lang="en-GB"/>
-              <a:t>TLS is enabled via the cert_file and cert_key options in grafana.ini</a:t>
-            </a:r>
-            <a:endParaRPr/>
-          </a:p>
-        </p:txBody>
-      </p:sp>
-      <p:pic>
-        <p:nvPicPr>
-          <p:cNvPr id="211" name="Google Shape;211;p36"/>
-          <p:cNvPicPr preferRelativeResize="0"/>
-          <p:nvPr/>
-        </p:nvPicPr>
-        <p:blipFill>
-          <a:blip r:embed="rId3">
-            <a:alphaModFix/>
-          </a:blip>
-          <a:stretch>
-            <a:fillRect/>
-          </a:stretch>
-        </p:blipFill>
-        <p:spPr>
-          <a:xfrm>
-            <a:off x="5283900" y="381425"/>
-            <a:ext cx="2675094" cy="3820973"/>
-          </a:xfrm>
-          <a:prstGeom prst="rect">
-            <a:avLst/>
-          </a:prstGeom>
-          <a:noFill/>
-          <a:ln>
-            <a:noFill/>
-          </a:ln>
-        </p:spPr>
-      </p:pic>
-      <p:sp>
-        <p:nvSpPr>
-          <p:cNvPr id="212" name="Google Shape;212;p36"/>
-          <p:cNvSpPr txBox="1"/>
-          <p:nvPr/>
-        </p:nvSpPr>
-        <p:spPr>
-          <a:xfrm>
-            <a:off x="5325500" y="4240175"/>
-            <a:ext cx="2633700" cy="431400"/>
-          </a:xfrm>
-          <a:prstGeom prst="rect">
-            <a:avLst/>
-          </a:prstGeom>
-          <a:noFill/>
-          <a:ln>
-            <a:noFill/>
-          </a:ln>
-        </p:spPr>
-        <p:txBody>
-          <a:bodyPr anchorCtr="0" anchor="t" bIns="91425" lIns="91425" spcFirstLastPara="1" rIns="91425" wrap="square" tIns="91425">
-            <a:noAutofit/>
-          </a:bodyPr>
-          <a:lstStyle/>
-          <a:p>
-            <a:pPr indent="0" lvl="0" marL="0" rtl="0" algn="ctr">
-              <a:spcBef>
-                <a:spcPts val="0"/>
-              </a:spcBef>
-              <a:spcAft>
-                <a:spcPts val="0"/>
-              </a:spcAft>
-              <a:buNone/>
-            </a:pPr>
-            <a:r>
-              <a:rPr lang="en-GB" sz="1800">
-                <a:solidFill>
-                  <a:schemeClr val="accent3"/>
-                </a:solidFill>
-                <a:latin typeface="Proxima Nova"/>
-                <a:ea typeface="Proxima Nova"/>
-                <a:cs typeface="Proxima Nova"/>
-                <a:sym typeface="Proxima Nova"/>
-              </a:rPr>
-              <a:t>Embedded dashboard</a:t>
-            </a:r>
-            <a:endParaRPr sz="1800">
-              <a:solidFill>
-                <a:schemeClr val="accent3"/>
-              </a:solidFill>
-              <a:latin typeface="Proxima Nova"/>
-              <a:ea typeface="Proxima Nova"/>
-              <a:cs typeface="Proxima Nova"/>
-              <a:sym typeface="Proxima Nova"/>
-            </a:endParaRPr>
+              <a:t>Initially wanted to host a web backend using Zig</a:t>
+            </a:r>
+            <a:endParaRPr/>
+          </a:p>
+          <a:p>
+            <a:pPr indent="-342900" lvl="0" marL="457200" rtl="0" algn="l">
+              <a:lnSpc>
+                <a:spcPct val="200000"/>
+              </a:lnSpc>
+              <a:spcBef>
+                <a:spcPts val="0"/>
+              </a:spcBef>
+              <a:spcAft>
+                <a:spcPts val="0"/>
+              </a:spcAft>
+              <a:buSzPts val="1800"/>
+              <a:buChar char="-"/>
+            </a:pPr>
+            <a:r>
+              <a:rPr lang="en-GB"/>
+              <a:t>Didn’t need to serve any dynamic content, everything was static</a:t>
+            </a:r>
+            <a:endParaRPr/>
+          </a:p>
+          <a:p>
+            <a:pPr indent="-342900" lvl="0" marL="457200" rtl="0" algn="l">
+              <a:lnSpc>
+                <a:spcPct val="200000"/>
+              </a:lnSpc>
+              <a:spcBef>
+                <a:spcPts val="0"/>
+              </a:spcBef>
+              <a:spcAft>
+                <a:spcPts val="0"/>
+              </a:spcAft>
+              <a:buSzPts val="1800"/>
+              <a:buChar char="-"/>
+            </a:pPr>
+            <a:r>
+              <a:rPr lang="en-GB"/>
+              <a:t>So a static site generator like Jekyll ended up being perfect</a:t>
+            </a:r>
+            <a:endParaRPr/>
           </a:p>
         </p:txBody>
       </p:sp>
@@ -12478,7 +12398,7 @@
             </a:pPr>
             <a:r>
               <a:rPr lang="en-GB"/>
-              <a:t>Technical Overview - Documentation</a:t>
+              <a:t>Documentation - Images</a:t>
             </a:r>
             <a:endParaRPr/>
           </a:p>
@@ -12507,107 +12427,78 @@
           </a:bodyPr>
           <a:lstStyle/>
           <a:p>
-            <a:pPr indent="-342900" lvl="0" marL="457200" rtl="0" algn="l">
-              <a:lnSpc>
-                <a:spcPct val="200000"/>
-              </a:lnSpc>
-              <a:spcBef>
-                <a:spcPts val="0"/>
-              </a:spcBef>
-              <a:spcAft>
-                <a:spcPts val="0"/>
-              </a:spcAft>
-              <a:buSzPts val="1800"/>
-              <a:buChar char="-"/>
-            </a:pPr>
-            <a:r>
-              <a:rPr lang="en-GB"/>
-              <a:t>MEMPs documentation is hosted on GitHub Pages.</a:t>
-            </a:r>
-            <a:endParaRPr/>
-          </a:p>
-          <a:p>
-            <a:pPr indent="-342900" lvl="0" marL="457200" rtl="0" algn="l">
-              <a:lnSpc>
-                <a:spcPct val="200000"/>
-              </a:lnSpc>
-              <a:spcBef>
-                <a:spcPts val="0"/>
-              </a:spcBef>
-              <a:spcAft>
-                <a:spcPts val="0"/>
-              </a:spcAft>
-              <a:buSzPts val="1800"/>
-              <a:buChar char="-"/>
-            </a:pPr>
-            <a:r>
-              <a:rPr lang="en-GB"/>
-              <a:t>Makes it easy to deploy your on documentation if you fork the project.</a:t>
-            </a:r>
-            <a:endParaRPr/>
-          </a:p>
-          <a:p>
-            <a:pPr indent="-342900" lvl="0" marL="457200" rtl="0" algn="l">
-              <a:lnSpc>
-                <a:spcPct val="200000"/>
-              </a:lnSpc>
-              <a:spcBef>
-                <a:spcPts val="0"/>
-              </a:spcBef>
-              <a:spcAft>
-                <a:spcPts val="0"/>
-              </a:spcAft>
-              <a:buSzPts val="1800"/>
-              <a:buChar char="-"/>
-            </a:pPr>
-            <a:r>
-              <a:rPr lang="en-GB"/>
-              <a:t>Initially wanted to host a web backend using Zig</a:t>
-            </a:r>
-            <a:endParaRPr/>
-          </a:p>
-          <a:p>
-            <a:pPr indent="-342900" lvl="0" marL="457200" rtl="0" algn="l">
-              <a:lnSpc>
-                <a:spcPct val="200000"/>
-              </a:lnSpc>
-              <a:spcBef>
-                <a:spcPts val="0"/>
-              </a:spcBef>
-              <a:spcAft>
-                <a:spcPts val="0"/>
-              </a:spcAft>
-              <a:buSzPts val="1800"/>
-              <a:buChar char="-"/>
-            </a:pPr>
-            <a:r>
-              <a:rPr lang="en-GB"/>
-              <a:t>Didn’t need to serve any dynamic content, everything was static</a:t>
-            </a:r>
-            <a:endParaRPr/>
-          </a:p>
-          <a:p>
-            <a:pPr indent="-342900" lvl="0" marL="457200" rtl="0" algn="l">
-              <a:lnSpc>
-                <a:spcPct val="200000"/>
-              </a:lnSpc>
-              <a:spcBef>
-                <a:spcPts val="0"/>
-              </a:spcBef>
-              <a:spcAft>
-                <a:spcPts val="0"/>
-              </a:spcAft>
-              <a:buSzPts val="1800"/>
-              <a:buChar char="-"/>
-            </a:pPr>
-            <a:r>
-              <a:rPr lang="en-GB"/>
-              <a:t>So a static site generator like Jekyll ended up being perfect</a:t>
+            <a:pPr indent="0" lvl="0" marL="0" rtl="0" algn="l">
+              <a:spcBef>
+                <a:spcPts val="0"/>
+              </a:spcBef>
+              <a:spcAft>
+                <a:spcPts val="1200"/>
+              </a:spcAft>
+              <a:buNone/>
+            </a:pPr>
+            <a:r>
+              <a:t/>
             </a:r>
             <a:endParaRPr/>
           </a:p>
         </p:txBody>
       </p:sp>
+      <p:pic>
+        <p:nvPicPr>
+          <p:cNvPr id="219" name="Google Shape;219;p37"/>
+          <p:cNvPicPr preferRelativeResize="0"/>
+          <p:nvPr/>
+        </p:nvPicPr>
+        <p:blipFill>
+          <a:blip r:embed="rId3">
+            <a:alphaModFix/>
+          </a:blip>
+          <a:stretch>
+            <a:fillRect/>
+          </a:stretch>
+        </p:blipFill>
+        <p:spPr>
+          <a:xfrm>
+            <a:off x="311704" y="1152463"/>
+            <a:ext cx="3787851" cy="3525624"/>
+          </a:xfrm>
+          <a:prstGeom prst="rect">
+            <a:avLst/>
+          </a:prstGeom>
+          <a:noFill/>
+          <a:ln>
+            <a:noFill/>
+          </a:ln>
+        </p:spPr>
+      </p:pic>
+      <p:pic>
+        <p:nvPicPr>
+          <p:cNvPr id="220" name="Google Shape;220;p37"/>
+          <p:cNvPicPr preferRelativeResize="0"/>
+          <p:nvPr/>
+        </p:nvPicPr>
+        <p:blipFill>
+          <a:blip r:embed="rId4">
+            <a:alphaModFix/>
+          </a:blip>
+          <a:stretch>
+            <a:fillRect/>
+          </a:stretch>
+        </p:blipFill>
+        <p:spPr>
+          <a:xfrm>
+            <a:off x="5126074" y="1152463"/>
+            <a:ext cx="3706225" cy="3599774"/>
+          </a:xfrm>
+          <a:prstGeom prst="rect">
+            <a:avLst/>
+          </a:prstGeom>
+          <a:noFill/>
+          <a:ln>
+            <a:noFill/>
+          </a:ln>
+        </p:spPr>
+      </p:pic>
     </p:spTree>
   </p:cSld>
   <p:clrMapOvr>
@@ -12621,7 +12512,7 @@
   <p:cSld>
     <p:spTree>
       <p:nvGrpSpPr>
-        <p:cNvPr id="222" name="Shape 222"/>
+        <p:cNvPr id="224" name="Shape 224"/>
         <p:cNvGrpSpPr/>
         <p:nvPr/>
       </p:nvGrpSpPr>
@@ -12635,7 +12526,7 @@
       </p:grpSpPr>
       <p:sp>
         <p:nvSpPr>
-          <p:cNvPr id="223" name="Google Shape;223;p38"/>
+          <p:cNvPr id="225" name="Google Shape;225;p38"/>
           <p:cNvSpPr txBox="1"/>
           <p:nvPr>
             <p:ph type="title"/>
@@ -12667,7 +12558,7 @@
             </a:pPr>
             <a:r>
               <a:rPr lang="en-GB"/>
-              <a:t>Documentation - Images</a:t>
+              <a:t>Thanks for listening!</a:t>
             </a:r>
             <a:endParaRPr/>
           </a:p>
@@ -12675,167 +12566,7 @@
       </p:sp>
       <p:sp>
         <p:nvSpPr>
-          <p:cNvPr id="224" name="Google Shape;224;p38"/>
-          <p:cNvSpPr txBox="1"/>
-          <p:nvPr>
-            <p:ph idx="1" type="body"/>
-          </p:nvPr>
-        </p:nvSpPr>
-        <p:spPr>
-          <a:xfrm>
-            <a:off x="311700" y="1152475"/>
-            <a:ext cx="8520600" cy="3416400"/>
-          </a:xfrm>
-          <a:prstGeom prst="rect">
-            <a:avLst/>
-          </a:prstGeom>
-        </p:spPr>
-        <p:txBody>
-          <a:bodyPr anchorCtr="0" anchor="t" bIns="91425" lIns="91425" spcFirstLastPara="1" rIns="91425" wrap="square" tIns="91425">
-            <a:normAutofit/>
-          </a:bodyPr>
-          <a:lstStyle/>
-          <a:p>
-            <a:pPr indent="0" lvl="0" marL="0" rtl="0" algn="l">
-              <a:spcBef>
-                <a:spcPts val="0"/>
-              </a:spcBef>
-              <a:spcAft>
-                <a:spcPts val="1200"/>
-              </a:spcAft>
-              <a:buNone/>
-            </a:pPr>
-            <a:r>
-              <a:t/>
-            </a:r>
-            <a:endParaRPr/>
-          </a:p>
-        </p:txBody>
-      </p:sp>
-      <p:pic>
-        <p:nvPicPr>
-          <p:cNvPr id="225" name="Google Shape;225;p38"/>
-          <p:cNvPicPr preferRelativeResize="0"/>
-          <p:nvPr/>
-        </p:nvPicPr>
-        <p:blipFill>
-          <a:blip r:embed="rId3">
-            <a:alphaModFix/>
-          </a:blip>
-          <a:stretch>
-            <a:fillRect/>
-          </a:stretch>
-        </p:blipFill>
-        <p:spPr>
-          <a:xfrm>
-            <a:off x="311704" y="1152463"/>
-            <a:ext cx="3787851" cy="3525624"/>
-          </a:xfrm>
-          <a:prstGeom prst="rect">
-            <a:avLst/>
-          </a:prstGeom>
-          <a:noFill/>
-          <a:ln>
-            <a:noFill/>
-          </a:ln>
-        </p:spPr>
-      </p:pic>
-      <p:pic>
-        <p:nvPicPr>
           <p:cNvPr id="226" name="Google Shape;226;p38"/>
-          <p:cNvPicPr preferRelativeResize="0"/>
-          <p:nvPr/>
-        </p:nvPicPr>
-        <p:blipFill>
-          <a:blip r:embed="rId4">
-            <a:alphaModFix/>
-          </a:blip>
-          <a:stretch>
-            <a:fillRect/>
-          </a:stretch>
-        </p:blipFill>
-        <p:spPr>
-          <a:xfrm>
-            <a:off x="5126074" y="1152463"/>
-            <a:ext cx="3706225" cy="3599774"/>
-          </a:xfrm>
-          <a:prstGeom prst="rect">
-            <a:avLst/>
-          </a:prstGeom>
-          <a:noFill/>
-          <a:ln>
-            <a:noFill/>
-          </a:ln>
-        </p:spPr>
-      </p:pic>
-    </p:spTree>
-  </p:cSld>
-  <p:clrMapOvr>
-    <a:masterClrMapping/>
-  </p:clrMapOvr>
-</p:sld>
-</file>
-
-<file path=ppt/slides/slide27.xml><?xml version="1.0" encoding="utf-8"?>
-<p:sld xmlns:a="http://schemas.openxmlformats.org/drawingml/2006/main" xmlns:r="http://schemas.openxmlformats.org/officeDocument/2006/relationships" xmlns:mc="http://schemas.openxmlformats.org/markup-compatibility/2006" xmlns:mv="urn:schemas-microsoft-com:mac:vml" xmlns:p="http://schemas.openxmlformats.org/presentationml/2006/main" xmlns:c="http://schemas.openxmlformats.org/drawingml/2006/chart" xmlns:dgm="http://schemas.openxmlformats.org/drawingml/2006/diagram" xmlns:o="urn:schemas-microsoft-com:office:office" xmlns:v="urn:schemas-microsoft-com:vml" xmlns:pvml="urn:schemas-microsoft-com:office:powerpoint" xmlns:com="http://schemas.openxmlformats.org/drawingml/2006/compatibility" xmlns:p14="http://schemas.microsoft.com/office/powerpoint/2010/main" xmlns:p15="http://schemas.microsoft.com/office/powerpoint/2012/main" xmlns:ahyp="http://schemas.microsoft.com/office/drawing/2018/hyperlinkcolor">
-  <p:cSld>
-    <p:spTree>
-      <p:nvGrpSpPr>
-        <p:cNvPr id="230" name="Shape 230"/>
-        <p:cNvGrpSpPr/>
-        <p:nvPr/>
-      </p:nvGrpSpPr>
-      <p:grpSpPr>
-        <a:xfrm>
-          <a:off x="0" y="0"/>
-          <a:ext cx="0" cy="0"/>
-          <a:chOff x="0" y="0"/>
-          <a:chExt cx="0" cy="0"/>
-        </a:xfrm>
-      </p:grpSpPr>
-      <p:sp>
-        <p:nvSpPr>
-          <p:cNvPr id="231" name="Google Shape;231;p39"/>
-          <p:cNvSpPr txBox="1"/>
-          <p:nvPr>
-            <p:ph type="title"/>
-          </p:nvPr>
-        </p:nvSpPr>
-        <p:spPr>
-          <a:xfrm>
-            <a:off x="311700" y="445025"/>
-            <a:ext cx="8520600" cy="572700"/>
-          </a:xfrm>
-          <a:prstGeom prst="rect">
-            <a:avLst/>
-          </a:prstGeom>
-        </p:spPr>
-        <p:txBody>
-          <a:bodyPr anchorCtr="0" anchor="t" bIns="91425" lIns="91425" spcFirstLastPara="1" rIns="91425" wrap="square" tIns="91425">
-            <a:normAutofit fontScale="90000"/>
-          </a:bodyPr>
-          <a:lstStyle/>
-          <a:p>
-            <a:pPr indent="0" lvl="0" marL="0" rtl="0" algn="l">
-              <a:spcBef>
-                <a:spcPts val="0"/>
-              </a:spcBef>
-              <a:spcAft>
-                <a:spcPts val="0"/>
-              </a:spcAft>
-              <a:buNone/>
-            </a:pPr>
-            <a:r>
-              <a:rPr lang="en-GB"/>
-              <a:t>Thanks for listening!</a:t>
-            </a:r>
-            <a:endParaRPr/>
-          </a:p>
-        </p:txBody>
-      </p:sp>
-      <p:sp>
-        <p:nvSpPr>
-          <p:cNvPr id="232" name="Google Shape;232;p39"/>
           <p:cNvSpPr txBox="1"/>
           <p:nvPr>
             <p:ph idx="1" type="body"/>
@@ -14180,6 +13911,285 @@
 </file>
 
 <file path=ppt/theme/theme1.xml><?xml version="1.0" encoding="utf-8"?>
+<a:theme xmlns:a="http://schemas.openxmlformats.org/drawingml/2006/main" xmlns:r="http://schemas.openxmlformats.org/officeDocument/2006/relationships" name="Spearmint">
+  <a:themeElements>
+    <a:clrScheme name="Spearmint">
+      <a:dk1>
+        <a:srgbClr val="202729"/>
+      </a:dk1>
+      <a:lt1>
+        <a:srgbClr val="FFFFFF"/>
+      </a:lt1>
+      <a:dk2>
+        <a:srgbClr val="4BA173"/>
+      </a:dk2>
+      <a:lt2>
+        <a:srgbClr val="63D297"/>
+      </a:lt2>
+      <a:accent1>
+        <a:srgbClr val="353744"/>
+      </a:accent1>
+      <a:accent2>
+        <a:srgbClr val="424242"/>
+      </a:accent2>
+      <a:accent3>
+        <a:srgbClr val="616161"/>
+      </a:accent3>
+      <a:accent4>
+        <a:srgbClr val="999999"/>
+      </a:accent4>
+      <a:accent5>
+        <a:srgbClr val="FF5252"/>
+      </a:accent5>
+      <a:accent6>
+        <a:srgbClr val="FFF176"/>
+      </a:accent6>
+      <a:hlink>
+        <a:srgbClr val="FF5252"/>
+      </a:hlink>
+      <a:folHlink>
+        <a:srgbClr val="FF5252"/>
+      </a:folHlink>
+    </a:clrScheme>
+    <a:fontScheme name="Office">
+      <a:majorFont>
+        <a:latin typeface="Arial"/>
+        <a:ea typeface=""/>
+        <a:cs typeface=""/>
+        <a:font script="Jpan" typeface="ＭＳ Ｐゴシック"/>
+        <a:font script="Hang" typeface="맑은 고딕"/>
+        <a:font script="Hans" typeface="宋体"/>
+        <a:font script="Hant" typeface="新細明體"/>
+        <a:font script="Arab" typeface="Times New Roman"/>
+        <a:font script="Hebr" typeface="Times New Roman"/>
+        <a:font script="Thai" typeface="Angsana New"/>
+        <a:font script="Ethi" typeface="Nyala"/>
+        <a:font script="Beng" typeface="Vrinda"/>
+        <a:font script="Gujr" typeface="Shruti"/>
+        <a:font script="Khmr" typeface="MoolBoran"/>
+        <a:font script="Knda" typeface="Tunga"/>
+        <a:font script="Guru" typeface="Raavi"/>
+        <a:font script="Cans" typeface="Euphemia"/>
+        <a:font script="Cher" typeface="Plantagenet Cherokee"/>
+        <a:font script="Yiii" typeface="Microsoft Yi Baiti"/>
+        <a:font script="Tibt" typeface="Microsoft Himalaya"/>
+        <a:font script="Thaa" typeface="MV Boli"/>
+        <a:font script="Deva" typeface="Mangal"/>
+        <a:font script="Telu" typeface="Gautami"/>
+        <a:font script="Taml" typeface="Latha"/>
+        <a:font script="Syrc" typeface="Estrangelo Edessa"/>
+        <a:font script="Orya" typeface="Kalinga"/>
+        <a:font script="Mlym" typeface="Kartika"/>
+        <a:font script="Laoo" typeface="DokChampa"/>
+        <a:font script="Sinh" typeface="Iskoola Pota"/>
+        <a:font script="Mong" typeface="Mongolian Baiti"/>
+        <a:font script="Viet" typeface="Times New Roman"/>
+        <a:font script="Uigh" typeface="Microsoft Uighur"/>
+        <a:font script="Geor" typeface="Sylfaen"/>
+      </a:majorFont>
+      <a:minorFont>
+        <a:latin typeface="Arial"/>
+        <a:ea typeface=""/>
+        <a:cs typeface=""/>
+        <a:font script="Jpan" typeface="ＭＳ Ｐゴシック"/>
+        <a:font script="Hang" typeface="맑은 고딕"/>
+        <a:font script="Hans" typeface="宋体"/>
+        <a:font script="Hant" typeface="新細明體"/>
+        <a:font script="Arab" typeface="Arial"/>
+        <a:font script="Hebr" typeface="Arial"/>
+        <a:font script="Thai" typeface="Cordia New"/>
+        <a:font script="Ethi" typeface="Nyala"/>
+        <a:font script="Beng" typeface="Vrinda"/>
+        <a:font script="Gujr" typeface="Shruti"/>
+        <a:font script="Khmr" typeface="DaunPenh"/>
+        <a:font script="Knda" typeface="Tunga"/>
+        <a:font script="Guru" typeface="Raavi"/>
+        <a:font script="Cans" typeface="Euphemia"/>
+        <a:font script="Cher" typeface="Plantagenet Cherokee"/>
+        <a:font script="Yiii" typeface="Microsoft Yi Baiti"/>
+        <a:font script="Tibt" typeface="Microsoft Himalaya"/>
+        <a:font script="Thaa" typeface="MV Boli"/>
+        <a:font script="Deva" typeface="Mangal"/>
+        <a:font script="Telu" typeface="Gautami"/>
+        <a:font script="Taml" typeface="Latha"/>
+        <a:font script="Syrc" typeface="Estrangelo Edessa"/>
+        <a:font script="Orya" typeface="Kalinga"/>
+        <a:font script="Mlym" typeface="Kartika"/>
+        <a:font script="Laoo" typeface="DokChampa"/>
+        <a:font script="Sinh" typeface="Iskoola Pota"/>
+        <a:font script="Mong" typeface="Mongolian Baiti"/>
+        <a:font script="Viet" typeface="Arial"/>
+        <a:font script="Uigh" typeface="Microsoft Uighur"/>
+        <a:font script="Geor" typeface="Sylfaen"/>
+      </a:minorFont>
+    </a:fontScheme>
+    <a:fmtScheme name="Office">
+      <a:fillStyleLst>
+        <a:solidFill>
+          <a:schemeClr val="phClr"/>
+        </a:solidFill>
+        <a:gradFill rotWithShape="1">
+          <a:gsLst>
+            <a:gs pos="0">
+              <a:schemeClr val="phClr">
+                <a:tint val="50000"/>
+                <a:satMod val="300000"/>
+              </a:schemeClr>
+            </a:gs>
+            <a:gs pos="35000">
+              <a:schemeClr val="phClr">
+                <a:tint val="37000"/>
+                <a:satMod val="300000"/>
+              </a:schemeClr>
+            </a:gs>
+            <a:gs pos="100000">
+              <a:schemeClr val="phClr">
+                <a:tint val="15000"/>
+                <a:satMod val="350000"/>
+              </a:schemeClr>
+            </a:gs>
+          </a:gsLst>
+          <a:lin ang="16200000" scaled="1"/>
+        </a:gradFill>
+        <a:gradFill rotWithShape="1">
+          <a:gsLst>
+            <a:gs pos="0">
+              <a:schemeClr val="phClr">
+                <a:tint val="100000"/>
+                <a:shade val="100000"/>
+                <a:satMod val="130000"/>
+              </a:schemeClr>
+            </a:gs>
+            <a:gs pos="100000">
+              <a:schemeClr val="phClr">
+                <a:tint val="50000"/>
+                <a:shade val="100000"/>
+                <a:satMod val="350000"/>
+              </a:schemeClr>
+            </a:gs>
+          </a:gsLst>
+          <a:lin ang="16200000" scaled="0"/>
+        </a:gradFill>
+      </a:fillStyleLst>
+      <a:lnStyleLst>
+        <a:ln w="9525" cap="flat" cmpd="sng" algn="ctr">
+          <a:solidFill>
+            <a:schemeClr val="phClr">
+              <a:shade val="95000"/>
+              <a:satMod val="105000"/>
+            </a:schemeClr>
+          </a:solidFill>
+          <a:prstDash val="solid"/>
+        </a:ln>
+        <a:ln w="25400" cap="flat" cmpd="sng" algn="ctr">
+          <a:solidFill>
+            <a:schemeClr val="phClr"/>
+          </a:solidFill>
+          <a:prstDash val="solid"/>
+        </a:ln>
+        <a:ln w="38100" cap="flat" cmpd="sng" algn="ctr">
+          <a:solidFill>
+            <a:schemeClr val="phClr"/>
+          </a:solidFill>
+          <a:prstDash val="solid"/>
+        </a:ln>
+      </a:lnStyleLst>
+      <a:effectStyleLst>
+        <a:effectStyle>
+          <a:effectLst>
+            <a:outerShdw blurRad="40000" dist="20000" dir="5400000" rotWithShape="0">
+              <a:srgbClr val="000000">
+                <a:alpha val="38000"/>
+              </a:srgbClr>
+            </a:outerShdw>
+          </a:effectLst>
+        </a:effectStyle>
+        <a:effectStyle>
+          <a:effectLst>
+            <a:outerShdw blurRad="40000" dist="23000" dir="5400000" rotWithShape="0">
+              <a:srgbClr val="000000">
+                <a:alpha val="35000"/>
+              </a:srgbClr>
+            </a:outerShdw>
+          </a:effectLst>
+        </a:effectStyle>
+        <a:effectStyle>
+          <a:effectLst>
+            <a:outerShdw blurRad="40000" dist="23000" dir="5400000" rotWithShape="0">
+              <a:srgbClr val="000000">
+                <a:alpha val="35000"/>
+              </a:srgbClr>
+            </a:outerShdw>
+          </a:effectLst>
+          <a:scene3d>
+            <a:camera prst="orthographicFront">
+              <a:rot lat="0" lon="0" rev="0"/>
+            </a:camera>
+            <a:lightRig rig="threePt" dir="t">
+              <a:rot lat="0" lon="0" rev="1200000"/>
+            </a:lightRig>
+          </a:scene3d>
+          <a:sp3d>
+            <a:bevelT w="63500" h="25400"/>
+          </a:sp3d>
+        </a:effectStyle>
+      </a:effectStyleLst>
+      <a:bgFillStyleLst>
+        <a:solidFill>
+          <a:schemeClr val="phClr"/>
+        </a:solidFill>
+        <a:gradFill rotWithShape="1">
+          <a:gsLst>
+            <a:gs pos="0">
+              <a:schemeClr val="phClr">
+                <a:tint val="40000"/>
+                <a:satMod val="350000"/>
+              </a:schemeClr>
+            </a:gs>
+            <a:gs pos="40000">
+              <a:schemeClr val="phClr">
+                <a:tint val="45000"/>
+                <a:shade val="99000"/>
+                <a:satMod val="350000"/>
+              </a:schemeClr>
+            </a:gs>
+            <a:gs pos="100000">
+              <a:schemeClr val="phClr">
+                <a:shade val="20000"/>
+                <a:satMod val="255000"/>
+              </a:schemeClr>
+            </a:gs>
+          </a:gsLst>
+          <a:path path="circle">
+            <a:fillToRect l="50000" t="-80000" r="50000" b="180000"/>
+          </a:path>
+        </a:gradFill>
+        <a:gradFill rotWithShape="1">
+          <a:gsLst>
+            <a:gs pos="0">
+              <a:schemeClr val="phClr">
+                <a:tint val="80000"/>
+                <a:satMod val="300000"/>
+              </a:schemeClr>
+            </a:gs>
+            <a:gs pos="100000">
+              <a:schemeClr val="phClr">
+                <a:shade val="30000"/>
+                <a:satMod val="200000"/>
+              </a:schemeClr>
+            </a:gs>
+          </a:gsLst>
+          <a:path path="circle">
+            <a:fillToRect l="50000" t="50000" r="50000" b="50000"/>
+          </a:path>
+        </a:gradFill>
+      </a:bgFillStyleLst>
+    </a:fmtScheme>
+  </a:themeElements>
+</a:theme>
+</file>
+
+<file path=ppt/theme/theme2.xml><?xml version="1.0" encoding="utf-8"?>
 <a:theme xmlns:a="http://schemas.openxmlformats.org/drawingml/2006/main" xmlns:r="http://schemas.openxmlformats.org/officeDocument/2006/relationships">
   <a:themeElements>
     <a:clrScheme name="Default">
@@ -14456,283 +14466,4 @@
     </a:fmtScheme>
   </a:themeElements>
 </a:theme>
-</file>
-
-<file path=ppt/theme/theme2.xml><?xml version="1.0" encoding="utf-8"?>
-<a:theme xmlns:a="http://schemas.openxmlformats.org/drawingml/2006/main" xmlns:r="http://schemas.openxmlformats.org/officeDocument/2006/relationships" name="Spearmint">
-  <a:themeElements>
-    <a:clrScheme name="Spearmint">
-      <a:dk1>
-        <a:srgbClr val="202729"/>
-      </a:dk1>
-      <a:lt1>
-        <a:srgbClr val="FFFFFF"/>
-      </a:lt1>
-      <a:dk2>
-        <a:srgbClr val="4BA173"/>
-      </a:dk2>
-      <a:lt2>
-        <a:srgbClr val="63D297"/>
-      </a:lt2>
-      <a:accent1>
-        <a:srgbClr val="353744"/>
-      </a:accent1>
-      <a:accent2>
-        <a:srgbClr val="424242"/>
-      </a:accent2>
-      <a:accent3>
-        <a:srgbClr val="616161"/>
-      </a:accent3>
-      <a:accent4>
-        <a:srgbClr val="999999"/>
-      </a:accent4>
-      <a:accent5>
-        <a:srgbClr val="FF5252"/>
-      </a:accent5>
-      <a:accent6>
-        <a:srgbClr val="FFF176"/>
-      </a:accent6>
-      <a:hlink>
-        <a:srgbClr val="FF5252"/>
-      </a:hlink>
-      <a:folHlink>
-        <a:srgbClr val="FF5252"/>
-      </a:folHlink>
-    </a:clrScheme>
-    <a:fontScheme name="Office">
-      <a:majorFont>
-        <a:latin typeface="Arial"/>
-        <a:ea typeface=""/>
-        <a:cs typeface=""/>
-        <a:font script="Jpan" typeface="ＭＳ Ｐゴシック"/>
-        <a:font script="Hang" typeface="맑은 고딕"/>
-        <a:font script="Hans" typeface="宋体"/>
-        <a:font script="Hant" typeface="新細明體"/>
-        <a:font script="Arab" typeface="Times New Roman"/>
-        <a:font script="Hebr" typeface="Times New Roman"/>
-        <a:font script="Thai" typeface="Angsana New"/>
-        <a:font script="Ethi" typeface="Nyala"/>
-        <a:font script="Beng" typeface="Vrinda"/>
-        <a:font script="Gujr" typeface="Shruti"/>
-        <a:font script="Khmr" typeface="MoolBoran"/>
-        <a:font script="Knda" typeface="Tunga"/>
-        <a:font script="Guru" typeface="Raavi"/>
-        <a:font script="Cans" typeface="Euphemia"/>
-        <a:font script="Cher" typeface="Plantagenet Cherokee"/>
-        <a:font script="Yiii" typeface="Microsoft Yi Baiti"/>
-        <a:font script="Tibt" typeface="Microsoft Himalaya"/>
-        <a:font script="Thaa" typeface="MV Boli"/>
-        <a:font script="Deva" typeface="Mangal"/>
-        <a:font script="Telu" typeface="Gautami"/>
-        <a:font script="Taml" typeface="Latha"/>
-        <a:font script="Syrc" typeface="Estrangelo Edessa"/>
-        <a:font script="Orya" typeface="Kalinga"/>
-        <a:font script="Mlym" typeface="Kartika"/>
-        <a:font script="Laoo" typeface="DokChampa"/>
-        <a:font script="Sinh" typeface="Iskoola Pota"/>
-        <a:font script="Mong" typeface="Mongolian Baiti"/>
-        <a:font script="Viet" typeface="Times New Roman"/>
-        <a:font script="Uigh" typeface="Microsoft Uighur"/>
-        <a:font script="Geor" typeface="Sylfaen"/>
-      </a:majorFont>
-      <a:minorFont>
-        <a:latin typeface="Arial"/>
-        <a:ea typeface=""/>
-        <a:cs typeface=""/>
-        <a:font script="Jpan" typeface="ＭＳ Ｐゴシック"/>
-        <a:font script="Hang" typeface="맑은 고딕"/>
-        <a:font script="Hans" typeface="宋体"/>
-        <a:font script="Hant" typeface="新細明體"/>
-        <a:font script="Arab" typeface="Arial"/>
-        <a:font script="Hebr" typeface="Arial"/>
-        <a:font script="Thai" typeface="Cordia New"/>
-        <a:font script="Ethi" typeface="Nyala"/>
-        <a:font script="Beng" typeface="Vrinda"/>
-        <a:font script="Gujr" typeface="Shruti"/>
-        <a:font script="Khmr" typeface="DaunPenh"/>
-        <a:font script="Knda" typeface="Tunga"/>
-        <a:font script="Guru" typeface="Raavi"/>
-        <a:font script="Cans" typeface="Euphemia"/>
-        <a:font script="Cher" typeface="Plantagenet Cherokee"/>
-        <a:font script="Yiii" typeface="Microsoft Yi Baiti"/>
-        <a:font script="Tibt" typeface="Microsoft Himalaya"/>
-        <a:font script="Thaa" typeface="MV Boli"/>
-        <a:font script="Deva" typeface="Mangal"/>
-        <a:font script="Telu" typeface="Gautami"/>
-        <a:font script="Taml" typeface="Latha"/>
-        <a:font script="Syrc" typeface="Estrangelo Edessa"/>
-        <a:font script="Orya" typeface="Kalinga"/>
-        <a:font script="Mlym" typeface="Kartika"/>
-        <a:font script="Laoo" typeface="DokChampa"/>
-        <a:font script="Sinh" typeface="Iskoola Pota"/>
-        <a:font script="Mong" typeface="Mongolian Baiti"/>
-        <a:font script="Viet" typeface="Arial"/>
-        <a:font script="Uigh" typeface="Microsoft Uighur"/>
-        <a:font script="Geor" typeface="Sylfaen"/>
-      </a:minorFont>
-    </a:fontScheme>
-    <a:fmtScheme name="Office">
-      <a:fillStyleLst>
-        <a:solidFill>
-          <a:schemeClr val="phClr"/>
-        </a:solidFill>
-        <a:gradFill rotWithShape="1">
-          <a:gsLst>
-            <a:gs pos="0">
-              <a:schemeClr val="phClr">
-                <a:tint val="50000"/>
-                <a:satMod val="300000"/>
-              </a:schemeClr>
-            </a:gs>
-            <a:gs pos="35000">
-              <a:schemeClr val="phClr">
-                <a:tint val="37000"/>
-                <a:satMod val="300000"/>
-              </a:schemeClr>
-            </a:gs>
-            <a:gs pos="100000">
-              <a:schemeClr val="phClr">
-                <a:tint val="15000"/>
-                <a:satMod val="350000"/>
-              </a:schemeClr>
-            </a:gs>
-          </a:gsLst>
-          <a:lin ang="16200000" scaled="1"/>
-        </a:gradFill>
-        <a:gradFill rotWithShape="1">
-          <a:gsLst>
-            <a:gs pos="0">
-              <a:schemeClr val="phClr">
-                <a:tint val="100000"/>
-                <a:shade val="100000"/>
-                <a:satMod val="130000"/>
-              </a:schemeClr>
-            </a:gs>
-            <a:gs pos="100000">
-              <a:schemeClr val="phClr">
-                <a:tint val="50000"/>
-                <a:shade val="100000"/>
-                <a:satMod val="350000"/>
-              </a:schemeClr>
-            </a:gs>
-          </a:gsLst>
-          <a:lin ang="16200000" scaled="0"/>
-        </a:gradFill>
-      </a:fillStyleLst>
-      <a:lnStyleLst>
-        <a:ln w="9525" cap="flat" cmpd="sng" algn="ctr">
-          <a:solidFill>
-            <a:schemeClr val="phClr">
-              <a:shade val="95000"/>
-              <a:satMod val="105000"/>
-            </a:schemeClr>
-          </a:solidFill>
-          <a:prstDash val="solid"/>
-        </a:ln>
-        <a:ln w="25400" cap="flat" cmpd="sng" algn="ctr">
-          <a:solidFill>
-            <a:schemeClr val="phClr"/>
-          </a:solidFill>
-          <a:prstDash val="solid"/>
-        </a:ln>
-        <a:ln w="38100" cap="flat" cmpd="sng" algn="ctr">
-          <a:solidFill>
-            <a:schemeClr val="phClr"/>
-          </a:solidFill>
-          <a:prstDash val="solid"/>
-        </a:ln>
-      </a:lnStyleLst>
-      <a:effectStyleLst>
-        <a:effectStyle>
-          <a:effectLst>
-            <a:outerShdw blurRad="40000" dist="20000" dir="5400000" rotWithShape="0">
-              <a:srgbClr val="000000">
-                <a:alpha val="38000"/>
-              </a:srgbClr>
-            </a:outerShdw>
-          </a:effectLst>
-        </a:effectStyle>
-        <a:effectStyle>
-          <a:effectLst>
-            <a:outerShdw blurRad="40000" dist="23000" dir="5400000" rotWithShape="0">
-              <a:srgbClr val="000000">
-                <a:alpha val="35000"/>
-              </a:srgbClr>
-            </a:outerShdw>
-          </a:effectLst>
-        </a:effectStyle>
-        <a:effectStyle>
-          <a:effectLst>
-            <a:outerShdw blurRad="40000" dist="23000" dir="5400000" rotWithShape="0">
-              <a:srgbClr val="000000">
-                <a:alpha val="35000"/>
-              </a:srgbClr>
-            </a:outerShdw>
-          </a:effectLst>
-          <a:scene3d>
-            <a:camera prst="orthographicFront">
-              <a:rot lat="0" lon="0" rev="0"/>
-            </a:camera>
-            <a:lightRig rig="threePt" dir="t">
-              <a:rot lat="0" lon="0" rev="1200000"/>
-            </a:lightRig>
-          </a:scene3d>
-          <a:sp3d>
-            <a:bevelT w="63500" h="25400"/>
-          </a:sp3d>
-        </a:effectStyle>
-      </a:effectStyleLst>
-      <a:bgFillStyleLst>
-        <a:solidFill>
-          <a:schemeClr val="phClr"/>
-        </a:solidFill>
-        <a:gradFill rotWithShape="1">
-          <a:gsLst>
-            <a:gs pos="0">
-              <a:schemeClr val="phClr">
-                <a:tint val="40000"/>
-                <a:satMod val="350000"/>
-              </a:schemeClr>
-            </a:gs>
-            <a:gs pos="40000">
-              <a:schemeClr val="phClr">
-                <a:tint val="45000"/>
-                <a:shade val="99000"/>
-                <a:satMod val="350000"/>
-              </a:schemeClr>
-            </a:gs>
-            <a:gs pos="100000">
-              <a:schemeClr val="phClr">
-                <a:shade val="20000"/>
-                <a:satMod val="255000"/>
-              </a:schemeClr>
-            </a:gs>
-          </a:gsLst>
-          <a:path path="circle">
-            <a:fillToRect l="50000" t="-80000" r="50000" b="180000"/>
-          </a:path>
-        </a:gradFill>
-        <a:gradFill rotWithShape="1">
-          <a:gsLst>
-            <a:gs pos="0">
-              <a:schemeClr val="phClr">
-                <a:tint val="80000"/>
-                <a:satMod val="300000"/>
-              </a:schemeClr>
-            </a:gs>
-            <a:gs pos="100000">
-              <a:schemeClr val="phClr">
-                <a:shade val="30000"/>
-                <a:satMod val="200000"/>
-              </a:schemeClr>
-            </a:gs>
-          </a:gsLst>
-          <a:path path="circle">
-            <a:fillToRect l="50000" t="50000" r="50000" b="50000"/>
-          </a:path>
-        </a:gradFill>
-      </a:bgFillStyleLst>
-    </a:fmtScheme>
-  </a:themeElements>
-</a:theme>
 </file>